--- a/Dream Reacher App Presentation.pptx
+++ b/Dream Reacher App Presentation.pptx
@@ -5740,7 +5740,7 @@
         </p:nvSpPr>
         <p:spPr>
           <a:xfrm>
-            <a:off x="1571975" y="1582178"/>
+            <a:off x="665526" y="1582178"/>
             <a:ext cx="2582647" cy="732600"/>
           </a:xfrm>
           <a:prstGeom prst="rect">
@@ -5799,7 +5799,7 @@
         </p:nvSpPr>
         <p:spPr>
           <a:xfrm>
-            <a:off x="1165574" y="1197180"/>
+            <a:off x="259125" y="1197180"/>
             <a:ext cx="3395447" cy="296836"/>
           </a:xfrm>
           <a:prstGeom prst="rect">
@@ -5857,7 +5857,7 @@
         </p:nvSpPr>
         <p:spPr>
           <a:xfrm>
-            <a:off x="1556179" y="3379923"/>
+            <a:off x="649730" y="3379923"/>
             <a:ext cx="2794810" cy="1175933"/>
           </a:xfrm>
           <a:prstGeom prst="rect">
@@ -6163,7 +6163,7 @@
         </p:nvSpPr>
         <p:spPr>
           <a:xfrm>
-            <a:off x="267654" y="2992598"/>
+            <a:off x="-638795" y="2992598"/>
             <a:ext cx="4689638" cy="482400"/>
           </a:xfrm>
           <a:prstGeom prst="rect">
@@ -6221,7 +6221,7 @@
         </p:nvSpPr>
         <p:spPr>
           <a:xfrm>
-            <a:off x="1571975" y="2491102"/>
+            <a:off x="665526" y="2491102"/>
             <a:ext cx="2661618" cy="732600"/>
           </a:xfrm>
           <a:prstGeom prst="rect">
@@ -6284,7 +6284,7 @@
         </p:nvSpPr>
         <p:spPr>
           <a:xfrm>
-            <a:off x="892860" y="2106354"/>
+            <a:off x="-13589" y="2106354"/>
             <a:ext cx="3807683" cy="622796"/>
           </a:xfrm>
           <a:prstGeom prst="rect">
@@ -6461,7 +6461,7 @@
         </p:nvSpPr>
         <p:spPr>
           <a:xfrm>
-            <a:off x="3534780" y="2002738"/>
+            <a:off x="2063787" y="2002738"/>
             <a:ext cx="5481515" cy="364200"/>
           </a:xfrm>
           <a:prstGeom prst="rect">
@@ -6771,8 +6771,8 @@
         </p:nvSpPr>
         <p:spPr>
           <a:xfrm>
-            <a:off x="5636407" y="2366938"/>
-            <a:ext cx="2256102" cy="923569"/>
+            <a:off x="4165413" y="2366938"/>
+            <a:ext cx="4778150" cy="923569"/>
           </a:xfrm>
           <a:prstGeom prst="rect">
             <a:avLst/>
@@ -7076,6 +7076,77 @@
               </a:rPr>
               <a:t> CSS</a:t>
             </a:r>
+          </a:p>
+          <a:p>
+            <a:pPr marL="171450" indent="-171450" algn="just">
+              <a:buClr>
+                <a:schemeClr val="dk1"/>
+              </a:buClr>
+              <a:buSzPts val="1100"/>
+              <a:buFont typeface="Wingdings" panose="05000000000000000000" pitchFamily="2" charset="2"/>
+              <a:buChar char="q"/>
+            </a:pPr>
+            <a:r>
+              <a:rPr lang="en-ID" dirty="0" err="1">
+                <a:solidFill>
+                  <a:schemeClr val="tx1"/>
+                </a:solidFill>
+              </a:rPr>
+              <a:t>Terdapat</a:t>
+            </a:r>
+            <a:r>
+              <a:rPr lang="en-ID" dirty="0">
+                <a:solidFill>
+                  <a:schemeClr val="tx1"/>
+                </a:solidFill>
+              </a:rPr>
+              <a:t> </a:t>
+            </a:r>
+            <a:r>
+              <a:rPr lang="en-ID" dirty="0" err="1">
+                <a:solidFill>
+                  <a:schemeClr val="tx1"/>
+                </a:solidFill>
+              </a:rPr>
+              <a:t>pengaman</a:t>
+            </a:r>
+            <a:r>
+              <a:rPr lang="en-ID" dirty="0">
+                <a:solidFill>
+                  <a:schemeClr val="tx1"/>
+                </a:solidFill>
+              </a:rPr>
+              <a:t> minimal </a:t>
+            </a:r>
+            <a:r>
+              <a:rPr lang="en-ID" dirty="0" err="1">
+                <a:solidFill>
+                  <a:schemeClr val="tx1"/>
+                </a:solidFill>
+              </a:rPr>
+              <a:t>masukan</a:t>
+            </a:r>
+            <a:r>
+              <a:rPr lang="en-ID" dirty="0">
+                <a:solidFill>
+                  <a:schemeClr val="tx1"/>
+                </a:solidFill>
+              </a:rPr>
+              <a:t> </a:t>
+            </a:r>
+            <a:r>
+              <a:rPr lang="en-ID" dirty="0" err="1">
+                <a:solidFill>
+                  <a:schemeClr val="tx1"/>
+                </a:solidFill>
+              </a:rPr>
+              <a:t>tanggal</a:t>
+            </a:r>
+            <a:endParaRPr lang="en-ID" dirty="0">
+              <a:solidFill>
+                <a:schemeClr val="tx1"/>
+              </a:solidFill>
+            </a:endParaRPr>
           </a:p>
           <a:p>
             <a:pPr marL="171450" indent="-171450" algn="just">
@@ -7147,8 +7218,8 @@
         </p:nvSpPr>
         <p:spPr>
           <a:xfrm>
-            <a:off x="1197600" y="1200149"/>
-            <a:ext cx="4575047" cy="3391651"/>
+            <a:off x="1205552" y="735451"/>
+            <a:ext cx="4575047" cy="4249950"/>
           </a:xfrm>
           <a:prstGeom prst="rect">
             <a:avLst/>
@@ -7466,7 +7537,7 @@
                   <a:schemeClr val="tx1"/>
                 </a:solidFill>
               </a:rPr>
-              <a:t>Dapat</a:t>
+              <a:t>Terdapat</a:t>
             </a:r>
             <a:r>
               <a:rPr lang="en-US" i="1" dirty="0">
@@ -7482,7 +7553,7 @@
                   <a:schemeClr val="tx1"/>
                 </a:solidFill>
               </a:rPr>
-              <a:t>menambah</a:t>
+              <a:t>pengaman</a:t>
             </a:r>
             <a:r>
               <a:rPr lang="en-US" i="1" dirty="0">
@@ -7490,61 +7561,184 @@
                   <a:schemeClr val="tx1"/>
                 </a:solidFill>
               </a:rPr>
-              <a:t>/</a:t>
-            </a:r>
-            <a:r>
-              <a:rPr lang="en-US" i="1" dirty="0" err="1">
-                <a:solidFill>
-                  <a:schemeClr val="tx1"/>
-                </a:solidFill>
-              </a:rPr>
-              <a:t>membaca</a:t>
-            </a:r>
-            <a:r>
-              <a:rPr lang="en-US" i="1" dirty="0">
-                <a:solidFill>
-                  <a:schemeClr val="tx1"/>
-                </a:solidFill>
-              </a:rPr>
-              <a:t>/</a:t>
-            </a:r>
-            <a:r>
-              <a:rPr lang="en-US" i="1" dirty="0" err="1">
-                <a:solidFill>
-                  <a:schemeClr val="tx1"/>
-                </a:solidFill>
-              </a:rPr>
-              <a:t>menghapus</a:t>
-            </a:r>
-            <a:r>
-              <a:rPr lang="en-US" i="1" dirty="0">
-                <a:solidFill>
-                  <a:schemeClr val="tx1"/>
-                </a:solidFill>
-              </a:rPr>
               <a:t> </a:t>
             </a:r>
             <a:r>
-              <a:rPr lang="en-US" i="1" dirty="0">
+              <a:rPr lang="en-US" b="1" i="1" dirty="0">
                 <a:solidFill>
                   <a:srgbClr val="AD3A50"/>
                 </a:solidFill>
               </a:rPr>
-              <a:t>baris </a:t>
-            </a:r>
-            <a:r>
-              <a:rPr lang="en-US" i="1" dirty="0" err="1">
+              <a:t>minimal </a:t>
+            </a:r>
+            <a:r>
+              <a:rPr lang="en-US" b="1" i="1" dirty="0" err="1">
                 <a:solidFill>
                   <a:srgbClr val="AD3A50"/>
                 </a:solidFill>
               </a:rPr>
-              <a:t>baru</a:t>
-            </a:r>
-            <a:endParaRPr lang="en-US" i="1" dirty="0">
+              <a:t>tanggal</a:t>
+            </a:r>
+            <a:endParaRPr lang="en-US" b="1" i="1" dirty="0">
               <a:solidFill>
                 <a:srgbClr val="AD3A50"/>
               </a:solidFill>
             </a:endParaRPr>
+          </a:p>
+          <a:p>
+            <a:pPr marL="457200" lvl="0" indent="-317500" algn="l" rtl="0">
+              <a:spcBef>
+                <a:spcPts val="0"/>
+              </a:spcBef>
+              <a:spcAft>
+                <a:spcPts val="0"/>
+              </a:spcAft>
+              <a:buClr>
+                <a:srgbClr val="CC4A4A"/>
+              </a:buClr>
+              <a:buSzPts val="1400"/>
+              <a:buChar char="●"/>
+            </a:pPr>
+            <a:r>
+              <a:rPr lang="en-US" i="1" dirty="0" err="1">
+                <a:solidFill>
+                  <a:schemeClr val="tx1"/>
+                </a:solidFill>
+              </a:rPr>
+              <a:t>Dapat</a:t>
+            </a:r>
+            <a:r>
+              <a:rPr lang="en-US" i="1" dirty="0">
+                <a:solidFill>
+                  <a:schemeClr val="tx1"/>
+                </a:solidFill>
+              </a:rPr>
+              <a:t> </a:t>
+            </a:r>
+            <a:r>
+              <a:rPr lang="en-US" i="1" dirty="0" err="1">
+                <a:solidFill>
+                  <a:schemeClr val="tx1"/>
+                </a:solidFill>
+              </a:rPr>
+              <a:t>menambah</a:t>
+            </a:r>
+            <a:r>
+              <a:rPr lang="en-US" i="1" dirty="0">
+                <a:solidFill>
+                  <a:schemeClr val="tx1"/>
+                </a:solidFill>
+              </a:rPr>
+              <a:t>/</a:t>
+            </a:r>
+            <a:r>
+              <a:rPr lang="en-US" i="1" dirty="0" err="1">
+                <a:solidFill>
+                  <a:schemeClr val="tx1"/>
+                </a:solidFill>
+              </a:rPr>
+              <a:t>membaca</a:t>
+            </a:r>
+            <a:r>
+              <a:rPr lang="en-US" i="1" dirty="0">
+                <a:solidFill>
+                  <a:schemeClr val="tx1"/>
+                </a:solidFill>
+              </a:rPr>
+              <a:t>/</a:t>
+            </a:r>
+            <a:r>
+              <a:rPr lang="en-US" i="1" dirty="0" err="1">
+                <a:solidFill>
+                  <a:schemeClr val="tx1"/>
+                </a:solidFill>
+              </a:rPr>
+              <a:t>menghapus</a:t>
+            </a:r>
+            <a:r>
+              <a:rPr lang="en-US" i="1" dirty="0">
+                <a:solidFill>
+                  <a:schemeClr val="tx1"/>
+                </a:solidFill>
+              </a:rPr>
+              <a:t> </a:t>
+            </a:r>
+            <a:r>
+              <a:rPr lang="en-US" b="1" i="1" dirty="0">
+                <a:solidFill>
+                  <a:srgbClr val="AD3A50"/>
+                </a:solidFill>
+              </a:rPr>
+              <a:t>baris </a:t>
+            </a:r>
+            <a:r>
+              <a:rPr lang="en-US" b="1" i="1" dirty="0" err="1">
+                <a:solidFill>
+                  <a:srgbClr val="AD3A50"/>
+                </a:solidFill>
+              </a:rPr>
+              <a:t>baru</a:t>
+            </a:r>
+            <a:endParaRPr lang="en-US" b="1" i="1" dirty="0">
+              <a:solidFill>
+                <a:srgbClr val="AD3A50"/>
+              </a:solidFill>
+            </a:endParaRPr>
+          </a:p>
+          <a:p>
+            <a:pPr marL="457200" lvl="0" indent="-317500" algn="l" rtl="0">
+              <a:spcBef>
+                <a:spcPts val="0"/>
+              </a:spcBef>
+              <a:spcAft>
+                <a:spcPts val="0"/>
+              </a:spcAft>
+              <a:buClr>
+                <a:srgbClr val="CC4A4A"/>
+              </a:buClr>
+              <a:buSzPts val="1400"/>
+              <a:buChar char="●"/>
+            </a:pPr>
+            <a:r>
+              <a:rPr lang="en-US" i="1" dirty="0" err="1">
+                <a:solidFill>
+                  <a:schemeClr val="tx1"/>
+                </a:solidFill>
+              </a:rPr>
+              <a:t>Dapat</a:t>
+            </a:r>
+            <a:r>
+              <a:rPr lang="en-US" i="1" dirty="0">
+                <a:solidFill>
+                  <a:schemeClr val="tx1"/>
+                </a:solidFill>
+              </a:rPr>
+              <a:t> </a:t>
+            </a:r>
+            <a:r>
+              <a:rPr lang="en-US" i="1" dirty="0" err="1">
+                <a:solidFill>
+                  <a:schemeClr val="tx1"/>
+                </a:solidFill>
+              </a:rPr>
+              <a:t>memunculkan</a:t>
+            </a:r>
+            <a:r>
+              <a:rPr lang="en-US" i="1" dirty="0">
+                <a:solidFill>
+                  <a:schemeClr val="tx1"/>
+                </a:solidFill>
+              </a:rPr>
+              <a:t> </a:t>
+            </a:r>
+            <a:r>
+              <a:rPr lang="en-US" b="1" i="1" dirty="0">
+                <a:solidFill>
+                  <a:srgbClr val="AD3A50"/>
+                </a:solidFill>
+              </a:rPr>
+              <a:t>scroll bar</a:t>
+            </a:r>
           </a:p>
           <a:p>
             <a:pPr marL="457200" lvl="0" indent="-317500" algn="l" rtl="0">
@@ -7912,7 +8106,7 @@
         </p:nvSpPr>
         <p:spPr>
           <a:xfrm>
-            <a:off x="1350000" y="622797"/>
+            <a:off x="1357952" y="158099"/>
             <a:ext cx="7047300" cy="653930"/>
           </a:xfrm>
           <a:prstGeom prst="rect">
@@ -8055,10 +8249,16 @@
           <a:prstGeom prst="rect">
             <a:avLst/>
           </a:prstGeom>
-          <a:noFill/>
           <a:ln>
             <a:noFill/>
           </a:ln>
+          <a:effectLst>
+            <a:outerShdw blurRad="292100" dist="139700" dir="2700000" algn="tl" rotWithShape="0">
+              <a:srgbClr val="333333">
+                <a:alpha val="65000"/>
+              </a:srgbClr>
+            </a:outerShdw>
+          </a:effectLst>
         </p:spPr>
       </p:pic>
     </p:spTree>

--- a/Dream Reacher App Presentation.pptx
+++ b/Dream Reacher App Presentation.pptx
@@ -4877,7 +4877,7 @@
         </p:nvSpPr>
         <p:spPr>
           <a:xfrm>
-            <a:off x="281691" y="2571750"/>
+            <a:off x="351901" y="1629370"/>
             <a:ext cx="5025804" cy="497100"/>
           </a:xfrm>
           <a:prstGeom prst="rect">
@@ -4918,7 +4918,7 @@
         </p:nvSpPr>
         <p:spPr>
           <a:xfrm>
-            <a:off x="-632685" y="2994010"/>
+            <a:off x="-562475" y="2051630"/>
             <a:ext cx="6557100" cy="704100"/>
           </a:xfrm>
           <a:prstGeom prst="rect">
@@ -5457,7 +5457,7 @@
         </p:nvSpPr>
         <p:spPr>
           <a:xfrm>
-            <a:off x="69840" y="1037200"/>
+            <a:off x="61888" y="-35315"/>
             <a:ext cx="6779700" cy="1114500"/>
           </a:xfrm>
           <a:prstGeom prst="rect">
@@ -5514,7 +5514,7 @@
         </p:nvSpPr>
         <p:spPr>
           <a:xfrm>
-            <a:off x="69841" y="2151699"/>
+            <a:off x="61889" y="1079184"/>
             <a:ext cx="5233679" cy="973163"/>
           </a:xfrm>
           <a:prstGeom prst="rect">
@@ -5534,17 +5534,32 @@
               <a:spcAft>
                 <a:spcPts val="0"/>
               </a:spcAft>
-              <a:buFont typeface="+mj-lt"/>
-              <a:buAutoNum type="arabicPeriod"/>
+              <a:buFont typeface="Wingdings" panose="05000000000000000000" pitchFamily="2" charset="2"/>
+              <a:buChar char="Ø"/>
             </a:pPr>
             <a:r>
               <a:rPr lang="es" dirty="0">
                 <a:solidFill>
-                  <a:schemeClr val="lt1"/>
+                  <a:schemeClr val="bg1"/>
                 </a:solidFill>
               </a:rPr>
               <a:t>Manajemen waktu yang baik mengantarkan kesuksesan (stay focus, stay productive)</a:t>
             </a:r>
+          </a:p>
+          <a:p>
+            <a:pPr marL="0" lvl="0" indent="0" algn="l" rtl="0">
+              <a:spcBef>
+                <a:spcPts val="0"/>
+              </a:spcBef>
+              <a:spcAft>
+                <a:spcPts val="0"/>
+              </a:spcAft>
+            </a:pPr>
+            <a:endParaRPr lang="es" dirty="0">
+              <a:solidFill>
+                <a:schemeClr val="bg1"/>
+              </a:solidFill>
+            </a:endParaRPr>
           </a:p>
           <a:p>
             <a:pPr marL="342900" lvl="0" indent="-342900" algn="l" rtl="0">
@@ -5554,16 +5569,16 @@
               <a:spcAft>
                 <a:spcPts val="0"/>
               </a:spcAft>
-              <a:buFont typeface="+mj-lt"/>
-              <a:buAutoNum type="arabicPeriod"/>
+              <a:buFont typeface="Wingdings" panose="05000000000000000000" pitchFamily="2" charset="2"/>
+              <a:buChar char="Ø"/>
             </a:pPr>
             <a:r>
               <a:rPr lang="es" dirty="0">
                 <a:solidFill>
-                  <a:schemeClr val="lt1"/>
-                </a:solidFill>
-              </a:rPr>
-              <a:t>Youtuber Zhafira Aqyla memberikan tips manajemen waktu dan banyak ditiru oleh para pengikutnya</a:t>
+                  <a:schemeClr val="bg1"/>
+                </a:solidFill>
+              </a:rPr>
+              <a:t>Youtuber Zhafira Aqyla memberikan tips manajemen waktu dan banyak diikuti oleh para pengikutnya</a:t>
             </a:r>
           </a:p>
           <a:p>
@@ -5574,12 +5589,12 @@
               <a:spcAft>
                 <a:spcPts val="0"/>
               </a:spcAft>
-              <a:buFont typeface="+mj-lt"/>
-              <a:buAutoNum type="arabicPeriod"/>
+              <a:buFont typeface="Wingdings" panose="05000000000000000000" pitchFamily="2" charset="2"/>
+              <a:buChar char="Ø"/>
             </a:pPr>
             <a:endParaRPr dirty="0">
               <a:solidFill>
-                <a:schemeClr val="lt1"/>
+                <a:schemeClr val="bg1"/>
               </a:solidFill>
             </a:endParaRPr>
           </a:p>
@@ -5740,7 +5755,7 @@
         </p:nvSpPr>
         <p:spPr>
           <a:xfrm>
-            <a:off x="665526" y="1582178"/>
+            <a:off x="5619189" y="1424778"/>
             <a:ext cx="2582647" cy="732600"/>
           </a:xfrm>
           <a:prstGeom prst="rect">
@@ -5799,7 +5814,7 @@
         </p:nvSpPr>
         <p:spPr>
           <a:xfrm>
-            <a:off x="259125" y="1197180"/>
+            <a:off x="5212788" y="1039780"/>
             <a:ext cx="3395447" cy="296836"/>
           </a:xfrm>
           <a:prstGeom prst="rect">
@@ -5857,7 +5872,7 @@
         </p:nvSpPr>
         <p:spPr>
           <a:xfrm>
-            <a:off x="649730" y="3379923"/>
+            <a:off x="5603393" y="3222523"/>
             <a:ext cx="2794810" cy="1175933"/>
           </a:xfrm>
           <a:prstGeom prst="rect">
@@ -6163,7 +6178,7 @@
         </p:nvSpPr>
         <p:spPr>
           <a:xfrm>
-            <a:off x="-638795" y="2992598"/>
+            <a:off x="4341413" y="2802377"/>
             <a:ext cx="4689638" cy="482400"/>
           </a:xfrm>
           <a:prstGeom prst="rect">
@@ -6221,7 +6236,7 @@
         </p:nvSpPr>
         <p:spPr>
           <a:xfrm>
-            <a:off x="665526" y="2491102"/>
+            <a:off x="5619189" y="2333702"/>
             <a:ext cx="2661618" cy="732600"/>
           </a:xfrm>
           <a:prstGeom prst="rect">
@@ -6284,7 +6299,7 @@
         </p:nvSpPr>
         <p:spPr>
           <a:xfrm>
-            <a:off x="-13589" y="2106354"/>
+            <a:off x="4940074" y="1948954"/>
             <a:ext cx="3807683" cy="622796"/>
           </a:xfrm>
           <a:prstGeom prst="rect">
@@ -6461,7 +6476,7 @@
         </p:nvSpPr>
         <p:spPr>
           <a:xfrm>
-            <a:off x="2063787" y="2002738"/>
+            <a:off x="-1140102" y="871727"/>
             <a:ext cx="5481515" cy="364200"/>
           </a:xfrm>
           <a:prstGeom prst="rect">
@@ -6771,7 +6786,7 @@
         </p:nvSpPr>
         <p:spPr>
           <a:xfrm>
-            <a:off x="4165413" y="2366938"/>
+            <a:off x="961524" y="1235927"/>
             <a:ext cx="4778150" cy="923569"/>
           </a:xfrm>
           <a:prstGeom prst="rect">
@@ -7218,8 +7233,8 @@
         </p:nvSpPr>
         <p:spPr>
           <a:xfrm>
-            <a:off x="1205552" y="735451"/>
-            <a:ext cx="4575047" cy="4249950"/>
+            <a:off x="1594564" y="679792"/>
+            <a:ext cx="4376264" cy="4249950"/>
           </a:xfrm>
           <a:prstGeom prst="rect">
             <a:avLst/>
@@ -8243,8 +8258,8 @@
         </p:blipFill>
         <p:spPr bwMode="auto">
           <a:xfrm>
-            <a:off x="5851558" y="1258673"/>
-            <a:ext cx="2926682" cy="3262030"/>
+            <a:off x="6027782" y="1455089"/>
+            <a:ext cx="2750458" cy="3065614"/>
           </a:xfrm>
           <a:prstGeom prst="rect">
             <a:avLst/>
@@ -8304,8 +8319,8 @@
         </p:nvSpPr>
         <p:spPr>
           <a:xfrm>
-            <a:off x="829150" y="1046250"/>
-            <a:ext cx="7794150" cy="1122600"/>
+            <a:off x="1" y="828768"/>
+            <a:ext cx="6337189" cy="1122600"/>
           </a:xfrm>
         </p:spPr>
         <p:txBody>
@@ -8342,8 +8357,8 @@
         </p:nvSpPr>
         <p:spPr>
           <a:xfrm>
-            <a:off x="829149" y="2168850"/>
-            <a:ext cx="6803551" cy="2326949"/>
+            <a:off x="0" y="1951368"/>
+            <a:ext cx="5565913" cy="2860025"/>
           </a:xfrm>
         </p:spPr>
         <p:txBody>
@@ -8510,7 +8525,23 @@
             </a:r>
             <a:r>
               <a:rPr lang="en-ID" sz="1600" dirty="0" err="1"/>
-              <a:t>ketikan</a:t>
+              <a:t>diketik</a:t>
+            </a:r>
+            <a:r>
+              <a:rPr lang="en-ID" sz="1600" dirty="0"/>
+              <a:t> </a:t>
+            </a:r>
+            <a:r>
+              <a:rPr lang="en-ID" sz="1600" dirty="0" err="1"/>
+              <a:t>secara</a:t>
+            </a:r>
+            <a:r>
+              <a:rPr lang="en-ID" sz="1600" dirty="0"/>
+              <a:t> manual </a:t>
+            </a:r>
+            <a:r>
+              <a:rPr lang="en-ID" sz="1600" dirty="0" err="1"/>
+              <a:t>menggunakan</a:t>
             </a:r>
             <a:r>
               <a:rPr lang="en-ID" sz="1600" dirty="0"/>
